--- a/myCBD/www/screen shots.pptx
+++ b/myCBD/www/screen shots.pptx
@@ -288,7 +288,7 @@
           <a:p>
             <a:fld id="{89228155-3301-49D0-BDBB-4055E5D6246D}" type="datetimeFigureOut">
               <a:rPr lang="en-US" smtClean="0"/>
-              <a:t>9/23/2018</a:t>
+              <a:t>9/24/2018</a:t>
             </a:fld>
             <a:endParaRPr lang="en-US"/>
           </a:p>
@@ -458,7 +458,7 @@
           <a:p>
             <a:fld id="{89228155-3301-49D0-BDBB-4055E5D6246D}" type="datetimeFigureOut">
               <a:rPr lang="en-US" smtClean="0"/>
-              <a:t>9/23/2018</a:t>
+              <a:t>9/24/2018</a:t>
             </a:fld>
             <a:endParaRPr lang="en-US"/>
           </a:p>
@@ -638,7 +638,7 @@
           <a:p>
             <a:fld id="{89228155-3301-49D0-BDBB-4055E5D6246D}" type="datetimeFigureOut">
               <a:rPr lang="en-US" smtClean="0"/>
-              <a:t>9/23/2018</a:t>
+              <a:t>9/24/2018</a:t>
             </a:fld>
             <a:endParaRPr lang="en-US"/>
           </a:p>
@@ -808,7 +808,7 @@
           <a:p>
             <a:fld id="{89228155-3301-49D0-BDBB-4055E5D6246D}" type="datetimeFigureOut">
               <a:rPr lang="en-US" smtClean="0"/>
-              <a:t>9/23/2018</a:t>
+              <a:t>9/24/2018</a:t>
             </a:fld>
             <a:endParaRPr lang="en-US"/>
           </a:p>
@@ -1054,7 +1054,7 @@
           <a:p>
             <a:fld id="{89228155-3301-49D0-BDBB-4055E5D6246D}" type="datetimeFigureOut">
               <a:rPr lang="en-US" smtClean="0"/>
-              <a:t>9/23/2018</a:t>
+              <a:t>9/24/2018</a:t>
             </a:fld>
             <a:endParaRPr lang="en-US"/>
           </a:p>
@@ -1342,7 +1342,7 @@
           <a:p>
             <a:fld id="{89228155-3301-49D0-BDBB-4055E5D6246D}" type="datetimeFigureOut">
               <a:rPr lang="en-US" smtClean="0"/>
-              <a:t>9/23/2018</a:t>
+              <a:t>9/24/2018</a:t>
             </a:fld>
             <a:endParaRPr lang="en-US"/>
           </a:p>
@@ -1764,7 +1764,7 @@
           <a:p>
             <a:fld id="{89228155-3301-49D0-BDBB-4055E5D6246D}" type="datetimeFigureOut">
               <a:rPr lang="en-US" smtClean="0"/>
-              <a:t>9/23/2018</a:t>
+              <a:t>9/24/2018</a:t>
             </a:fld>
             <a:endParaRPr lang="en-US"/>
           </a:p>
@@ -1882,7 +1882,7 @@
           <a:p>
             <a:fld id="{89228155-3301-49D0-BDBB-4055E5D6246D}" type="datetimeFigureOut">
               <a:rPr lang="en-US" smtClean="0"/>
-              <a:t>9/23/2018</a:t>
+              <a:t>9/24/2018</a:t>
             </a:fld>
             <a:endParaRPr lang="en-US"/>
           </a:p>
@@ -1977,7 +1977,7 @@
           <a:p>
             <a:fld id="{89228155-3301-49D0-BDBB-4055E5D6246D}" type="datetimeFigureOut">
               <a:rPr lang="en-US" smtClean="0"/>
-              <a:t>9/23/2018</a:t>
+              <a:t>9/24/2018</a:t>
             </a:fld>
             <a:endParaRPr lang="en-US"/>
           </a:p>
@@ -2254,7 +2254,7 @@
           <a:p>
             <a:fld id="{89228155-3301-49D0-BDBB-4055E5D6246D}" type="datetimeFigureOut">
               <a:rPr lang="en-US" smtClean="0"/>
-              <a:t>9/23/2018</a:t>
+              <a:t>9/24/2018</a:t>
             </a:fld>
             <a:endParaRPr lang="en-US"/>
           </a:p>
@@ -2507,7 +2507,7 @@
           <a:p>
             <a:fld id="{89228155-3301-49D0-BDBB-4055E5D6246D}" type="datetimeFigureOut">
               <a:rPr lang="en-US" smtClean="0"/>
-              <a:t>9/23/2018</a:t>
+              <a:t>9/24/2018</a:t>
             </a:fld>
             <a:endParaRPr lang="en-US"/>
           </a:p>
@@ -2720,7 +2720,7 @@
           <a:p>
             <a:fld id="{89228155-3301-49D0-BDBB-4055E5D6246D}" type="datetimeFigureOut">
               <a:rPr lang="en-US" smtClean="0"/>
-              <a:t>9/23/2018</a:t>
+              <a:t>9/24/2018</a:t>
             </a:fld>
             <a:endParaRPr lang="en-US"/>
           </a:p>
@@ -3236,7 +3236,7 @@
       </p:pic>
       <p:pic>
         <p:nvPicPr>
-          <p:cNvPr id="9" name="Picture 8"/>
+          <p:cNvPr id="10" name="Picture 9"/>
           <p:cNvPicPr>
             <a:picLocks noChangeAspect="1"/>
           </p:cNvPicPr>
@@ -3256,8 +3256,8 @@
         </p:blipFill>
         <p:spPr>
           <a:xfrm>
-            <a:off x="2508670" y="2438400"/>
-            <a:ext cx="3173644" cy="2103120"/>
+            <a:off x="5932494" y="2421236"/>
+            <a:ext cx="3094593" cy="2103120"/>
           </a:xfrm>
           <a:prstGeom prst="rect">
             <a:avLst/>
@@ -3271,7 +3271,7 @@
       </p:pic>
       <p:pic>
         <p:nvPicPr>
-          <p:cNvPr id="10" name="Picture 9"/>
+          <p:cNvPr id="2" name="Picture 1"/>
           <p:cNvPicPr>
             <a:picLocks noChangeAspect="1"/>
           </p:cNvPicPr>
@@ -3291,8 +3291,8 @@
         </p:blipFill>
         <p:spPr>
           <a:xfrm>
-            <a:off x="5932494" y="2421236"/>
-            <a:ext cx="3094593" cy="2103120"/>
+            <a:off x="2509424" y="2421236"/>
+            <a:ext cx="3226544" cy="2103120"/>
           </a:xfrm>
           <a:prstGeom prst="rect">
             <a:avLst/>
